--- a/presentation/SE2_final_v6.pptx
+++ b/presentation/SE2_final_v6.pptx
@@ -136,7 +136,18 @@
   </p:defaultTextStyle>
   <p:extLst>
     <p:ext uri="{EFAFB233-063F-42B5-8137-9DF3F51BA10A}">
-      <p15:sldGuideLst xmlns:p15="http://schemas.microsoft.com/office/powerpoint/2012/main"/>
+      <p15:sldGuideLst xmlns:p15="http://schemas.microsoft.com/office/powerpoint/2012/main">
+        <p15:guide id="1" orient="horz" pos="2160" userDrawn="1">
+          <p15:clr>
+            <a:srgbClr val="A4A3A4"/>
+          </p15:clr>
+        </p15:guide>
+        <p15:guide id="2" pos="2880" userDrawn="1">
+          <p15:clr>
+            <a:srgbClr val="A4A3A4"/>
+          </p15:clr>
+        </p15:guide>
+      </p15:sldGuideLst>
     </p:ext>
   </p:extLst>
 </p:presentation>
@@ -6212,7 +6223,7 @@
       </p:pic>
       <p:sp>
         <p:nvSpPr>
-          <p:cNvPr id="4" name="Slide Number Placeholder 3"/>
+          <p:cNvPr id="3" name="Slide Number Placeholder 2"/>
           <p:cNvSpPr>
             <a:spLocks noGrp="1"/>
           </p:cNvSpPr>
@@ -6220,17 +6231,12 @@
             <p:ph type="sldNum" sz="quarter" idx="12"/>
           </p:nvPr>
         </p:nvSpPr>
-        <p:spPr>
-          <a:xfrm>
-            <a:off x="6997148" y="6223829"/>
-            <a:ext cx="1279663" cy="365125"/>
-          </a:xfrm>
-        </p:spPr>
+        <p:spPr/>
         <p:txBody>
           <a:bodyPr/>
           <a:lstStyle/>
           <a:p>
-            <a:fld id="{80CF4546-AE09-4F14-AF51-D4D6420A4BA1}" type="slidenum">
+            <a:fld id="{5C88C6B3-A296-4F02-B169-A2DFBE690C9A}" type="slidenum">
               <a:rPr lang="it-IT" smtClean="0"/>
               <a:pPr/>
               <a:t>10</a:t>
@@ -6589,7 +6595,7 @@
       </p:sp>
       <p:sp>
         <p:nvSpPr>
-          <p:cNvPr id="7" name="Slide Number Placeholder 6"/>
+          <p:cNvPr id="2" name="Slide Number Placeholder 1"/>
           <p:cNvSpPr>
             <a:spLocks noGrp="1"/>
           </p:cNvSpPr>
@@ -6607,7 +6613,11 @@
               <a:pPr/>
               <a:t>11</a:t>
             </a:fld>
-            <a:endParaRPr lang="it-IT"/>
+            <a:r>
+              <a:rPr lang="it-IT" smtClean="0"/>
+              <a:t>/28</a:t>
+            </a:r>
+            <a:endParaRPr lang="it-IT" dirty="0"/>
           </a:p>
         </p:txBody>
       </p:sp>
@@ -6864,14 +6874,7 @@
                 <a:latin typeface="Arial" panose="020B0604020202020204" pitchFamily="34" charset="0"/>
                 <a:cs typeface="Arial" panose="020B0604020202020204" pitchFamily="34" charset="0"/>
               </a:rPr>
-              <a:t>PHISICAL </a:t>
-            </a:r>
-            <a:r>
-              <a:rPr lang="it-IT" b="1" dirty="0" smtClean="0">
-                <a:latin typeface="Arial" panose="020B0604020202020204" pitchFamily="34" charset="0"/>
-                <a:cs typeface="Arial" panose="020B0604020202020204" pitchFamily="34" charset="0"/>
-              </a:rPr>
-              <a:t>CARS</a:t>
+              <a:t>PHISICAL CARS</a:t>
             </a:r>
             <a:r>
               <a:rPr lang="it-IT" dirty="0" smtClean="0">
@@ -7098,7 +7101,7 @@
       </p:cxnSp>
       <p:sp>
         <p:nvSpPr>
-          <p:cNvPr id="6" name="Slide Number Placeholder 5"/>
+          <p:cNvPr id="3" name="Slide Number Placeholder 2"/>
           <p:cNvSpPr>
             <a:spLocks noGrp="1"/>
           </p:cNvSpPr>
@@ -7106,22 +7109,21 @@
             <p:ph type="sldNum" sz="quarter" idx="12"/>
           </p:nvPr>
         </p:nvSpPr>
-        <p:spPr>
-          <a:xfrm>
-            <a:off x="6553200" y="6248400"/>
-            <a:ext cx="2133600" cy="457200"/>
-          </a:xfrm>
-        </p:spPr>
+        <p:spPr/>
         <p:txBody>
           <a:bodyPr/>
           <a:lstStyle/>
           <a:p>
-            <a:fld id="{91450503-8D9C-40B2-BCF6-CFEB02B23CAF}" type="slidenum">
+            <a:fld id="{5C88C6B3-A296-4F02-B169-A2DFBE690C9A}" type="slidenum">
               <a:rPr lang="it-IT" smtClean="0"/>
               <a:pPr/>
               <a:t>12</a:t>
             </a:fld>
-            <a:endParaRPr lang="it-IT"/>
+            <a:r>
+              <a:rPr lang="it-IT" smtClean="0"/>
+              <a:t>/28</a:t>
+            </a:r>
+            <a:endParaRPr lang="it-IT" dirty="0"/>
           </a:p>
         </p:txBody>
       </p:sp>
@@ -7325,7 +7327,7 @@
       </p:grpSp>
       <p:sp>
         <p:nvSpPr>
-          <p:cNvPr id="6" name="Slide Number Placeholder 5"/>
+          <p:cNvPr id="3" name="Slide Number Placeholder 2"/>
           <p:cNvSpPr>
             <a:spLocks noGrp="1"/>
           </p:cNvSpPr>
@@ -7333,22 +7335,21 @@
             <p:ph type="sldNum" sz="quarter" idx="12"/>
           </p:nvPr>
         </p:nvSpPr>
-        <p:spPr>
-          <a:xfrm>
-            <a:off x="6553200" y="6248400"/>
-            <a:ext cx="2133600" cy="457200"/>
-          </a:xfrm>
-        </p:spPr>
+        <p:spPr/>
         <p:txBody>
           <a:bodyPr/>
           <a:lstStyle/>
           <a:p>
-            <a:fld id="{91450503-8D9C-40B2-BCF6-CFEB02B23CAF}" type="slidenum">
+            <a:fld id="{5C88C6B3-A296-4F02-B169-A2DFBE690C9A}" type="slidenum">
               <a:rPr lang="it-IT" smtClean="0"/>
               <a:pPr/>
               <a:t>13</a:t>
             </a:fld>
-            <a:endParaRPr lang="it-IT"/>
+            <a:r>
+              <a:rPr lang="it-IT" smtClean="0"/>
+              <a:t>/28</a:t>
+            </a:r>
+            <a:endParaRPr lang="it-IT" dirty="0"/>
           </a:p>
         </p:txBody>
       </p:sp>
@@ -7565,7 +7566,7 @@
       </p:pic>
       <p:sp>
         <p:nvSpPr>
-          <p:cNvPr id="9" name="Slide Number Placeholder 8"/>
+          <p:cNvPr id="3" name="Slide Number Placeholder 2"/>
           <p:cNvSpPr>
             <a:spLocks noGrp="1"/>
           </p:cNvSpPr>
@@ -7573,22 +7574,21 @@
             <p:ph type="sldNum" sz="quarter" idx="12"/>
           </p:nvPr>
         </p:nvSpPr>
-        <p:spPr>
-          <a:xfrm>
-            <a:off x="6553200" y="6248400"/>
-            <a:ext cx="2133600" cy="457200"/>
-          </a:xfrm>
-        </p:spPr>
+        <p:spPr/>
         <p:txBody>
           <a:bodyPr/>
           <a:lstStyle/>
           <a:p>
-            <a:fld id="{91450503-8D9C-40B2-BCF6-CFEB02B23CAF}" type="slidenum">
+            <a:fld id="{5C88C6B3-A296-4F02-B169-A2DFBE690C9A}" type="slidenum">
               <a:rPr lang="it-IT" smtClean="0"/>
               <a:pPr/>
               <a:t>14</a:t>
             </a:fld>
-            <a:endParaRPr lang="it-IT"/>
+            <a:r>
+              <a:rPr lang="it-IT" smtClean="0"/>
+              <a:t>/28</a:t>
+            </a:r>
+            <a:endParaRPr lang="it-IT" dirty="0"/>
           </a:p>
         </p:txBody>
       </p:sp>
@@ -7716,7 +7716,7 @@
       </p:pic>
       <p:sp>
         <p:nvSpPr>
-          <p:cNvPr id="4" name="Slide Number Placeholder 3"/>
+          <p:cNvPr id="2" name="Slide Number Placeholder 1"/>
           <p:cNvSpPr>
             <a:spLocks noGrp="1"/>
           </p:cNvSpPr>
@@ -7724,22 +7724,21 @@
             <p:ph type="sldNum" sz="quarter" idx="12"/>
           </p:nvPr>
         </p:nvSpPr>
-        <p:spPr>
-          <a:xfrm>
-            <a:off x="6553200" y="6248400"/>
-            <a:ext cx="2133600" cy="457200"/>
-          </a:xfrm>
-        </p:spPr>
+        <p:spPr/>
         <p:txBody>
           <a:bodyPr/>
           <a:lstStyle/>
           <a:p>
-            <a:fld id="{91450503-8D9C-40B2-BCF6-CFEB02B23CAF}" type="slidenum">
+            <a:fld id="{5C88C6B3-A296-4F02-B169-A2DFBE690C9A}" type="slidenum">
               <a:rPr lang="it-IT" smtClean="0"/>
               <a:pPr/>
               <a:t>15</a:t>
             </a:fld>
-            <a:endParaRPr lang="it-IT"/>
+            <a:r>
+              <a:rPr lang="it-IT" smtClean="0"/>
+              <a:t>/28</a:t>
+            </a:r>
+            <a:endParaRPr lang="it-IT" dirty="0"/>
           </a:p>
         </p:txBody>
       </p:sp>
@@ -8255,7 +8254,7 @@
       </p:sp>
       <p:sp>
         <p:nvSpPr>
-          <p:cNvPr id="9" name="Slide Number Placeholder 8"/>
+          <p:cNvPr id="4" name="Slide Number Placeholder 3"/>
           <p:cNvSpPr>
             <a:spLocks noGrp="1"/>
           </p:cNvSpPr>
@@ -8263,22 +8262,21 @@
             <p:ph type="sldNum" sz="quarter" idx="12"/>
           </p:nvPr>
         </p:nvSpPr>
-        <p:spPr>
-          <a:xfrm>
-            <a:off x="6553200" y="6248400"/>
-            <a:ext cx="2133600" cy="457200"/>
-          </a:xfrm>
-        </p:spPr>
+        <p:spPr/>
         <p:txBody>
           <a:bodyPr/>
           <a:lstStyle/>
           <a:p>
-            <a:fld id="{91450503-8D9C-40B2-BCF6-CFEB02B23CAF}" type="slidenum">
+            <a:fld id="{5C88C6B3-A296-4F02-B169-A2DFBE690C9A}" type="slidenum">
               <a:rPr lang="it-IT" smtClean="0"/>
               <a:pPr/>
               <a:t>16</a:t>
             </a:fld>
-            <a:endParaRPr lang="it-IT"/>
+            <a:r>
+              <a:rPr lang="it-IT" smtClean="0"/>
+              <a:t>/28</a:t>
+            </a:r>
+            <a:endParaRPr lang="it-IT" dirty="0"/>
           </a:p>
         </p:txBody>
       </p:sp>
@@ -8679,7 +8677,7 @@
       </p:pic>
       <p:sp>
         <p:nvSpPr>
-          <p:cNvPr id="8" name="Slide Number Placeholder 7"/>
+          <p:cNvPr id="2" name="Slide Number Placeholder 1"/>
           <p:cNvSpPr>
             <a:spLocks noGrp="1"/>
           </p:cNvSpPr>
@@ -8687,22 +8685,21 @@
             <p:ph type="sldNum" sz="quarter" idx="12"/>
           </p:nvPr>
         </p:nvSpPr>
-        <p:spPr>
-          <a:xfrm>
-            <a:off x="6553200" y="6248400"/>
-            <a:ext cx="2133600" cy="457200"/>
-          </a:xfrm>
-        </p:spPr>
+        <p:spPr/>
         <p:txBody>
           <a:bodyPr/>
           <a:lstStyle/>
           <a:p>
-            <a:fld id="{91450503-8D9C-40B2-BCF6-CFEB02B23CAF}" type="slidenum">
+            <a:fld id="{5C88C6B3-A296-4F02-B169-A2DFBE690C9A}" type="slidenum">
               <a:rPr lang="it-IT" smtClean="0"/>
               <a:pPr/>
               <a:t>17</a:t>
             </a:fld>
-            <a:endParaRPr lang="it-IT"/>
+            <a:r>
+              <a:rPr lang="it-IT" smtClean="0"/>
+              <a:t>/28</a:t>
+            </a:r>
+            <a:endParaRPr lang="it-IT" dirty="0"/>
           </a:p>
         </p:txBody>
       </p:sp>
@@ -9064,7 +9061,7 @@
       </p:pic>
       <p:sp>
         <p:nvSpPr>
-          <p:cNvPr id="7" name="Slide Number Placeholder 6"/>
+          <p:cNvPr id="4" name="Slide Number Placeholder 3"/>
           <p:cNvSpPr>
             <a:spLocks noGrp="1"/>
           </p:cNvSpPr>
@@ -9072,22 +9069,21 @@
             <p:ph type="sldNum" sz="quarter" idx="12"/>
           </p:nvPr>
         </p:nvSpPr>
-        <p:spPr>
-          <a:xfrm>
-            <a:off x="6553200" y="6248400"/>
-            <a:ext cx="2133600" cy="457200"/>
-          </a:xfrm>
-        </p:spPr>
+        <p:spPr/>
         <p:txBody>
           <a:bodyPr/>
           <a:lstStyle/>
           <a:p>
-            <a:fld id="{91450503-8D9C-40B2-BCF6-CFEB02B23CAF}" type="slidenum">
+            <a:fld id="{5C88C6B3-A296-4F02-B169-A2DFBE690C9A}" type="slidenum">
               <a:rPr lang="it-IT" smtClean="0"/>
               <a:pPr/>
               <a:t>18</a:t>
             </a:fld>
-            <a:endParaRPr lang="it-IT"/>
+            <a:r>
+              <a:rPr lang="it-IT" smtClean="0"/>
+              <a:t>/28</a:t>
+            </a:r>
+            <a:endParaRPr lang="it-IT" dirty="0"/>
           </a:p>
         </p:txBody>
       </p:sp>
@@ -9604,7 +9600,7 @@
       </p:sp>
       <p:sp>
         <p:nvSpPr>
-          <p:cNvPr id="5" name="Slide Number Placeholder 4"/>
+          <p:cNvPr id="2" name="Slide Number Placeholder 1"/>
           <p:cNvSpPr>
             <a:spLocks noGrp="1"/>
           </p:cNvSpPr>
@@ -9612,22 +9608,21 @@
             <p:ph type="sldNum" sz="quarter" idx="12"/>
           </p:nvPr>
         </p:nvSpPr>
-        <p:spPr>
-          <a:xfrm>
-            <a:off x="6553200" y="6248400"/>
-            <a:ext cx="2133600" cy="457200"/>
-          </a:xfrm>
-        </p:spPr>
+        <p:spPr/>
         <p:txBody>
           <a:bodyPr/>
           <a:lstStyle/>
           <a:p>
-            <a:fld id="{91450503-8D9C-40B2-BCF6-CFEB02B23CAF}" type="slidenum">
+            <a:fld id="{5C88C6B3-A296-4F02-B169-A2DFBE690C9A}" type="slidenum">
               <a:rPr lang="it-IT" smtClean="0"/>
               <a:pPr/>
               <a:t>19</a:t>
             </a:fld>
-            <a:endParaRPr lang="it-IT"/>
+            <a:r>
+              <a:rPr lang="it-IT" smtClean="0"/>
+              <a:t>/28</a:t>
+            </a:r>
+            <a:endParaRPr lang="it-IT" dirty="0"/>
           </a:p>
         </p:txBody>
       </p:sp>
@@ -10304,15 +10299,7 @@
                   <a:schemeClr val="tx1"/>
                 </a:solidFill>
               </a:rPr>
-              <a:t>ELECTRIC </a:t>
-            </a:r>
-            <a:r>
-              <a:rPr lang="it-IT" sz="2800" b="1" dirty="0" smtClean="0">
-                <a:solidFill>
-                  <a:schemeClr val="tx1"/>
-                </a:solidFill>
-              </a:rPr>
-              <a:t>CARS</a:t>
+              <a:t>ELECTRIC CARS</a:t>
             </a:r>
             <a:r>
               <a:rPr lang="it-IT" sz="2800" dirty="0" smtClean="0">
@@ -10332,7 +10319,7 @@
       </p:sp>
       <p:sp>
         <p:nvSpPr>
-          <p:cNvPr id="7" name="Slide Number Placeholder 6"/>
+          <p:cNvPr id="2" name="Slide Number Placeholder 1"/>
           <p:cNvSpPr>
             <a:spLocks noGrp="1"/>
           </p:cNvSpPr>
@@ -10340,17 +10327,12 @@
             <p:ph type="sldNum" sz="quarter" idx="12"/>
           </p:nvPr>
         </p:nvSpPr>
-        <p:spPr>
-          <a:xfrm>
-            <a:off x="6997148" y="6223829"/>
-            <a:ext cx="1279663" cy="365125"/>
-          </a:xfrm>
-        </p:spPr>
+        <p:spPr/>
         <p:txBody>
           <a:bodyPr/>
           <a:lstStyle/>
           <a:p>
-            <a:fld id="{80CF4546-AE09-4F14-AF51-D4D6420A4BA1}" type="slidenum">
+            <a:fld id="{5C88C6B3-A296-4F02-B169-A2DFBE690C9A}" type="slidenum">
               <a:rPr lang="it-IT" smtClean="0"/>
               <a:pPr/>
               <a:t>2</a:t>
@@ -10740,7 +10722,7 @@
       </p:sp>
       <p:sp>
         <p:nvSpPr>
-          <p:cNvPr id="5" name="Slide Number Placeholder 4"/>
+          <p:cNvPr id="2" name="Slide Number Placeholder 1"/>
           <p:cNvSpPr>
             <a:spLocks noGrp="1"/>
           </p:cNvSpPr>
@@ -10748,22 +10730,21 @@
             <p:ph type="sldNum" sz="quarter" idx="12"/>
           </p:nvPr>
         </p:nvSpPr>
-        <p:spPr>
-          <a:xfrm>
-            <a:off x="6553200" y="6248400"/>
-            <a:ext cx="2133600" cy="457200"/>
-          </a:xfrm>
-        </p:spPr>
+        <p:spPr/>
         <p:txBody>
           <a:bodyPr/>
           <a:lstStyle/>
           <a:p>
-            <a:fld id="{91450503-8D9C-40B2-BCF6-CFEB02B23CAF}" type="slidenum">
+            <a:fld id="{5C88C6B3-A296-4F02-B169-A2DFBE690C9A}" type="slidenum">
               <a:rPr lang="it-IT" smtClean="0"/>
               <a:pPr/>
               <a:t>20</a:t>
             </a:fld>
-            <a:endParaRPr lang="it-IT"/>
+            <a:r>
+              <a:rPr lang="it-IT" smtClean="0"/>
+              <a:t>/28</a:t>
+            </a:r>
+            <a:endParaRPr lang="it-IT" dirty="0"/>
           </a:p>
         </p:txBody>
       </p:sp>
@@ -11846,7 +11827,7 @@
       </p:pic>
       <p:sp>
         <p:nvSpPr>
-          <p:cNvPr id="6" name="Slide Number Placeholder 5"/>
+          <p:cNvPr id="2" name="Slide Number Placeholder 1"/>
           <p:cNvSpPr>
             <a:spLocks noGrp="1"/>
           </p:cNvSpPr>
@@ -11854,22 +11835,21 @@
             <p:ph type="sldNum" sz="quarter" idx="12"/>
           </p:nvPr>
         </p:nvSpPr>
-        <p:spPr>
-          <a:xfrm>
-            <a:off x="6553200" y="6248400"/>
-            <a:ext cx="2133600" cy="457200"/>
-          </a:xfrm>
-        </p:spPr>
+        <p:spPr/>
         <p:txBody>
           <a:bodyPr/>
           <a:lstStyle/>
           <a:p>
-            <a:fld id="{91450503-8D9C-40B2-BCF6-CFEB02B23CAF}" type="slidenum">
+            <a:fld id="{5C88C6B3-A296-4F02-B169-A2DFBE690C9A}" type="slidenum">
               <a:rPr lang="it-IT" smtClean="0"/>
               <a:pPr/>
               <a:t>21</a:t>
             </a:fld>
-            <a:endParaRPr lang="it-IT"/>
+            <a:r>
+              <a:rPr lang="it-IT" smtClean="0"/>
+              <a:t>/28</a:t>
+            </a:r>
+            <a:endParaRPr lang="it-IT" dirty="0"/>
           </a:p>
         </p:txBody>
       </p:sp>
@@ -17570,7 +17550,7 @@
       </p:graphicFrame>
       <p:sp>
         <p:nvSpPr>
-          <p:cNvPr id="6" name="Slide Number Placeholder 5"/>
+          <p:cNvPr id="2" name="Slide Number Placeholder 1"/>
           <p:cNvSpPr>
             <a:spLocks noGrp="1"/>
           </p:cNvSpPr>
@@ -17578,22 +17558,21 @@
             <p:ph type="sldNum" sz="quarter" idx="12"/>
           </p:nvPr>
         </p:nvSpPr>
-        <p:spPr>
-          <a:xfrm>
-            <a:off x="6553200" y="6248400"/>
-            <a:ext cx="2133600" cy="457200"/>
-          </a:xfrm>
-        </p:spPr>
+        <p:spPr/>
         <p:txBody>
           <a:bodyPr/>
           <a:lstStyle/>
           <a:p>
-            <a:fld id="{91450503-8D9C-40B2-BCF6-CFEB02B23CAF}" type="slidenum">
+            <a:fld id="{5C88C6B3-A296-4F02-B169-A2DFBE690C9A}" type="slidenum">
               <a:rPr lang="it-IT" smtClean="0"/>
               <a:pPr/>
               <a:t>22</a:t>
             </a:fld>
-            <a:endParaRPr lang="it-IT"/>
+            <a:r>
+              <a:rPr lang="it-IT" smtClean="0"/>
+              <a:t>/28</a:t>
+            </a:r>
+            <a:endParaRPr lang="it-IT" dirty="0"/>
           </a:p>
         </p:txBody>
       </p:sp>
@@ -21112,7 +21091,7 @@
       </p:graphicFrame>
       <p:sp>
         <p:nvSpPr>
-          <p:cNvPr id="6" name="Slide Number Placeholder 5"/>
+          <p:cNvPr id="4" name="Slide Number Placeholder 3"/>
           <p:cNvSpPr>
             <a:spLocks noGrp="1"/>
           </p:cNvSpPr>
@@ -21120,22 +21099,21 @@
             <p:ph type="sldNum" sz="quarter" idx="12"/>
           </p:nvPr>
         </p:nvSpPr>
-        <p:spPr>
-          <a:xfrm>
-            <a:off x="6553200" y="6248400"/>
-            <a:ext cx="2133600" cy="457200"/>
-          </a:xfrm>
-        </p:spPr>
+        <p:spPr/>
         <p:txBody>
           <a:bodyPr/>
           <a:lstStyle/>
           <a:p>
-            <a:fld id="{91450503-8D9C-40B2-BCF6-CFEB02B23CAF}" type="slidenum">
+            <a:fld id="{5C88C6B3-A296-4F02-B169-A2DFBE690C9A}" type="slidenum">
               <a:rPr lang="it-IT" smtClean="0"/>
               <a:pPr/>
               <a:t>23</a:t>
             </a:fld>
-            <a:endParaRPr lang="it-IT"/>
+            <a:r>
+              <a:rPr lang="it-IT" smtClean="0"/>
+              <a:t>/28</a:t>
+            </a:r>
+            <a:endParaRPr lang="it-IT" dirty="0"/>
           </a:p>
         </p:txBody>
       </p:sp>
@@ -21517,7 +21495,7 @@
       </p:sp>
       <p:sp>
         <p:nvSpPr>
-          <p:cNvPr id="12" name="Slide Number Placeholder 11"/>
+          <p:cNvPr id="6" name="Slide Number Placeholder 5"/>
           <p:cNvSpPr>
             <a:spLocks noGrp="1"/>
           </p:cNvSpPr>
@@ -21525,22 +21503,21 @@
             <p:ph type="sldNum" sz="quarter" idx="12"/>
           </p:nvPr>
         </p:nvSpPr>
-        <p:spPr>
-          <a:xfrm>
-            <a:off x="6553200" y="6248400"/>
-            <a:ext cx="2133600" cy="457200"/>
-          </a:xfrm>
-        </p:spPr>
+        <p:spPr/>
         <p:txBody>
           <a:bodyPr/>
           <a:lstStyle/>
           <a:p>
-            <a:fld id="{91450503-8D9C-40B2-BCF6-CFEB02B23CAF}" type="slidenum">
+            <a:fld id="{5C88C6B3-A296-4F02-B169-A2DFBE690C9A}" type="slidenum">
               <a:rPr lang="it-IT" smtClean="0"/>
               <a:pPr/>
               <a:t>24</a:t>
             </a:fld>
-            <a:endParaRPr lang="it-IT"/>
+            <a:r>
+              <a:rPr lang="it-IT" smtClean="0"/>
+              <a:t>/28</a:t>
+            </a:r>
+            <a:endParaRPr lang="it-IT" dirty="0"/>
           </a:p>
         </p:txBody>
       </p:sp>
@@ -21973,7 +21950,7 @@
       </p:sp>
       <p:sp>
         <p:nvSpPr>
-          <p:cNvPr id="10" name="Slide Number Placeholder 9"/>
+          <p:cNvPr id="7" name="Slide Number Placeholder 6"/>
           <p:cNvSpPr>
             <a:spLocks noGrp="1"/>
           </p:cNvSpPr>
@@ -21981,22 +21958,21 @@
             <p:ph type="sldNum" sz="quarter" idx="12"/>
           </p:nvPr>
         </p:nvSpPr>
-        <p:spPr>
-          <a:xfrm>
-            <a:off x="6553200" y="6248400"/>
-            <a:ext cx="2133600" cy="457200"/>
-          </a:xfrm>
-        </p:spPr>
+        <p:spPr/>
         <p:txBody>
           <a:bodyPr/>
           <a:lstStyle/>
           <a:p>
-            <a:fld id="{91450503-8D9C-40B2-BCF6-CFEB02B23CAF}" type="slidenum">
+            <a:fld id="{5C88C6B3-A296-4F02-B169-A2DFBE690C9A}" type="slidenum">
               <a:rPr lang="it-IT" smtClean="0"/>
               <a:pPr/>
               <a:t>25</a:t>
             </a:fld>
-            <a:endParaRPr lang="it-IT"/>
+            <a:r>
+              <a:rPr lang="it-IT" smtClean="0"/>
+              <a:t>/28</a:t>
+            </a:r>
+            <a:endParaRPr lang="it-IT" dirty="0"/>
           </a:p>
         </p:txBody>
       </p:sp>
@@ -22116,7 +22092,7 @@
       </p:pic>
       <p:sp>
         <p:nvSpPr>
-          <p:cNvPr id="6" name="Slide Number Placeholder 5"/>
+          <p:cNvPr id="2" name="Slide Number Placeholder 1"/>
           <p:cNvSpPr>
             <a:spLocks noGrp="1"/>
           </p:cNvSpPr>
@@ -22124,22 +22100,21 @@
             <p:ph type="sldNum" sz="quarter" idx="12"/>
           </p:nvPr>
         </p:nvSpPr>
-        <p:spPr>
-          <a:xfrm>
-            <a:off x="6553200" y="6248400"/>
-            <a:ext cx="2133600" cy="457200"/>
-          </a:xfrm>
-        </p:spPr>
+        <p:spPr/>
         <p:txBody>
           <a:bodyPr/>
           <a:lstStyle/>
           <a:p>
-            <a:fld id="{91450503-8D9C-40B2-BCF6-CFEB02B23CAF}" type="slidenum">
+            <a:fld id="{5C88C6B3-A296-4F02-B169-A2DFBE690C9A}" type="slidenum">
               <a:rPr lang="it-IT" smtClean="0"/>
               <a:pPr/>
               <a:t>26</a:t>
             </a:fld>
-            <a:endParaRPr lang="it-IT"/>
+            <a:r>
+              <a:rPr lang="it-IT" smtClean="0"/>
+              <a:t>/28</a:t>
+            </a:r>
+            <a:endParaRPr lang="it-IT" dirty="0"/>
           </a:p>
         </p:txBody>
       </p:sp>
@@ -22543,7 +22518,7 @@
       </p:sp>
       <p:sp>
         <p:nvSpPr>
-          <p:cNvPr id="14" name="Slide Number Placeholder 13"/>
+          <p:cNvPr id="4" name="Slide Number Placeholder 3"/>
           <p:cNvSpPr>
             <a:spLocks noGrp="1"/>
           </p:cNvSpPr>
@@ -22551,22 +22526,21 @@
             <p:ph type="sldNum" sz="quarter" idx="12"/>
           </p:nvPr>
         </p:nvSpPr>
-        <p:spPr>
-          <a:xfrm>
-            <a:off x="6553200" y="6248400"/>
-            <a:ext cx="2133600" cy="457200"/>
-          </a:xfrm>
-        </p:spPr>
+        <p:spPr/>
         <p:txBody>
           <a:bodyPr/>
           <a:lstStyle/>
           <a:p>
-            <a:fld id="{91450503-8D9C-40B2-BCF6-CFEB02B23CAF}" type="slidenum">
+            <a:fld id="{5C88C6B3-A296-4F02-B169-A2DFBE690C9A}" type="slidenum">
               <a:rPr lang="it-IT" smtClean="0"/>
               <a:pPr/>
               <a:t>27</a:t>
             </a:fld>
-            <a:endParaRPr lang="it-IT"/>
+            <a:r>
+              <a:rPr lang="it-IT" smtClean="0"/>
+              <a:t>/28</a:t>
+            </a:r>
+            <a:endParaRPr lang="it-IT" dirty="0"/>
           </a:p>
         </p:txBody>
       </p:sp>
@@ -23124,7 +23098,7 @@
       </p:cxnSp>
       <p:sp>
         <p:nvSpPr>
-          <p:cNvPr id="4" name="Slide Number Placeholder 3"/>
+          <p:cNvPr id="3" name="Slide Number Placeholder 2"/>
           <p:cNvSpPr>
             <a:spLocks noGrp="1"/>
           </p:cNvSpPr>
@@ -23132,17 +23106,12 @@
             <p:ph type="sldNum" sz="quarter" idx="12"/>
           </p:nvPr>
         </p:nvSpPr>
-        <p:spPr>
-          <a:xfrm>
-            <a:off x="6997148" y="6223829"/>
-            <a:ext cx="1279663" cy="365125"/>
-          </a:xfrm>
-        </p:spPr>
+        <p:spPr/>
         <p:txBody>
           <a:bodyPr/>
           <a:lstStyle/>
           <a:p>
-            <a:fld id="{80CF4546-AE09-4F14-AF51-D4D6420A4BA1}" type="slidenum">
+            <a:fld id="{5C88C6B3-A296-4F02-B169-A2DFBE690C9A}" type="slidenum">
               <a:rPr lang="it-IT" smtClean="0"/>
               <a:pPr/>
               <a:t>3</a:t>
@@ -23363,7 +23332,7 @@
       </p:sp>
       <p:sp>
         <p:nvSpPr>
-          <p:cNvPr id="3" name="Slide Number Placeholder 2"/>
+          <p:cNvPr id="2" name="Slide Number Placeholder 1"/>
           <p:cNvSpPr>
             <a:spLocks noGrp="1"/>
           </p:cNvSpPr>
@@ -23371,17 +23340,12 @@
             <p:ph type="sldNum" sz="quarter" idx="12"/>
           </p:nvPr>
         </p:nvSpPr>
-        <p:spPr>
-          <a:xfrm>
-            <a:off x="6997148" y="6223829"/>
-            <a:ext cx="1279663" cy="365125"/>
-          </a:xfrm>
-        </p:spPr>
+        <p:spPr/>
         <p:txBody>
           <a:bodyPr/>
           <a:lstStyle/>
           <a:p>
-            <a:fld id="{80CF4546-AE09-4F14-AF51-D4D6420A4BA1}" type="slidenum">
+            <a:fld id="{5C88C6B3-A296-4F02-B169-A2DFBE690C9A}" type="slidenum">
               <a:rPr lang="it-IT" smtClean="0"/>
               <a:pPr/>
               <a:t>4</a:t>
@@ -23809,7 +23773,7 @@
       </p:sp>
       <p:sp>
         <p:nvSpPr>
-          <p:cNvPr id="6" name="Slide Number Placeholder 5"/>
+          <p:cNvPr id="2" name="Slide Number Placeholder 1"/>
           <p:cNvSpPr>
             <a:spLocks noGrp="1"/>
           </p:cNvSpPr>
@@ -23817,22 +23781,21 @@
             <p:ph type="sldNum" sz="quarter" idx="12"/>
           </p:nvPr>
         </p:nvSpPr>
-        <p:spPr>
-          <a:xfrm>
-            <a:off x="6997148" y="6223829"/>
-            <a:ext cx="1279663" cy="365125"/>
-          </a:xfrm>
-        </p:spPr>
+        <p:spPr/>
         <p:txBody>
           <a:bodyPr/>
           <a:lstStyle/>
           <a:p>
-            <a:fld id="{80CF4546-AE09-4F14-AF51-D4D6420A4BA1}" type="slidenum">
+            <a:fld id="{5C88C6B3-A296-4F02-B169-A2DFBE690C9A}" type="slidenum">
               <a:rPr lang="it-IT" smtClean="0"/>
               <a:pPr/>
               <a:t>5</a:t>
             </a:fld>
-            <a:endParaRPr lang="it-IT"/>
+            <a:r>
+              <a:rPr lang="it-IT" smtClean="0"/>
+              <a:t>/28</a:t>
+            </a:r>
+            <a:endParaRPr lang="it-IT" dirty="0"/>
           </a:p>
         </p:txBody>
       </p:sp>
@@ -24203,7 +24166,7 @@
       </p:sp>
       <p:sp>
         <p:nvSpPr>
-          <p:cNvPr id="6" name="Slide Number Placeholder 5"/>
+          <p:cNvPr id="4" name="Slide Number Placeholder 3"/>
           <p:cNvSpPr>
             <a:spLocks noGrp="1"/>
           </p:cNvSpPr>
@@ -24211,22 +24174,21 @@
             <p:ph type="sldNum" sz="quarter" idx="12"/>
           </p:nvPr>
         </p:nvSpPr>
-        <p:spPr>
-          <a:xfrm>
-            <a:off x="6997148" y="6223829"/>
-            <a:ext cx="1279663" cy="365125"/>
-          </a:xfrm>
-        </p:spPr>
+        <p:spPr/>
         <p:txBody>
           <a:bodyPr/>
           <a:lstStyle/>
           <a:p>
-            <a:fld id="{80CF4546-AE09-4F14-AF51-D4D6420A4BA1}" type="slidenum">
+            <a:fld id="{5C88C6B3-A296-4F02-B169-A2DFBE690C9A}" type="slidenum">
               <a:rPr lang="it-IT" smtClean="0"/>
               <a:pPr/>
               <a:t>6</a:t>
             </a:fld>
-            <a:endParaRPr lang="it-IT"/>
+            <a:r>
+              <a:rPr lang="it-IT" smtClean="0"/>
+              <a:t>/28</a:t>
+            </a:r>
+            <a:endParaRPr lang="it-IT" dirty="0"/>
           </a:p>
         </p:txBody>
       </p:sp>
@@ -24693,7 +24655,7 @@
       </p:sp>
       <p:sp>
         <p:nvSpPr>
-          <p:cNvPr id="5" name="Slide Number Placeholder 4"/>
+          <p:cNvPr id="2" name="Slide Number Placeholder 1"/>
           <p:cNvSpPr>
             <a:spLocks noGrp="1"/>
           </p:cNvSpPr>
@@ -24701,22 +24663,21 @@
             <p:ph type="sldNum" sz="quarter" idx="12"/>
           </p:nvPr>
         </p:nvSpPr>
-        <p:spPr>
-          <a:xfrm>
-            <a:off x="6553200" y="6248400"/>
-            <a:ext cx="2133600" cy="457200"/>
-          </a:xfrm>
-        </p:spPr>
+        <p:spPr/>
         <p:txBody>
           <a:bodyPr/>
           <a:lstStyle/>
           <a:p>
-            <a:fld id="{91450503-8D9C-40B2-BCF6-CFEB02B23CAF}" type="slidenum">
+            <a:fld id="{5C88C6B3-A296-4F02-B169-A2DFBE690C9A}" type="slidenum">
               <a:rPr lang="it-IT" smtClean="0"/>
               <a:pPr/>
               <a:t>7</a:t>
             </a:fld>
-            <a:endParaRPr lang="it-IT"/>
+            <a:r>
+              <a:rPr lang="it-IT" smtClean="0"/>
+              <a:t>/28</a:t>
+            </a:r>
+            <a:endParaRPr lang="it-IT" dirty="0"/>
           </a:p>
         </p:txBody>
       </p:sp>
@@ -24948,7 +24909,7 @@
       </p:sp>
       <p:sp>
         <p:nvSpPr>
-          <p:cNvPr id="5" name="Slide Number Placeholder 4"/>
+          <p:cNvPr id="2" name="Slide Number Placeholder 1"/>
           <p:cNvSpPr>
             <a:spLocks noGrp="1"/>
           </p:cNvSpPr>
@@ -24956,22 +24917,21 @@
             <p:ph type="sldNum" sz="quarter" idx="12"/>
           </p:nvPr>
         </p:nvSpPr>
-        <p:spPr>
-          <a:xfrm>
-            <a:off x="6553200" y="6248400"/>
-            <a:ext cx="2133600" cy="457200"/>
-          </a:xfrm>
-        </p:spPr>
+        <p:spPr/>
         <p:txBody>
           <a:bodyPr/>
           <a:lstStyle/>
           <a:p>
-            <a:fld id="{91450503-8D9C-40B2-BCF6-CFEB02B23CAF}" type="slidenum">
+            <a:fld id="{5C88C6B3-A296-4F02-B169-A2DFBE690C9A}" type="slidenum">
               <a:rPr lang="it-IT" smtClean="0"/>
               <a:pPr/>
               <a:t>8</a:t>
             </a:fld>
-            <a:endParaRPr lang="it-IT"/>
+            <a:r>
+              <a:rPr lang="it-IT" smtClean="0"/>
+              <a:t>/28</a:t>
+            </a:r>
+            <a:endParaRPr lang="it-IT" dirty="0"/>
           </a:p>
         </p:txBody>
       </p:sp>
@@ -25374,7 +25334,7 @@
       </p:pic>
       <p:sp>
         <p:nvSpPr>
-          <p:cNvPr id="8" name="Slide Number Placeholder 7"/>
+          <p:cNvPr id="7" name="Slide Number Placeholder 6"/>
           <p:cNvSpPr>
             <a:spLocks noGrp="1"/>
           </p:cNvSpPr>
@@ -25382,17 +25342,12 @@
             <p:ph type="sldNum" sz="quarter" idx="12"/>
           </p:nvPr>
         </p:nvSpPr>
-        <p:spPr>
-          <a:xfrm>
-            <a:off x="6997148" y="6223829"/>
-            <a:ext cx="1279663" cy="365125"/>
-          </a:xfrm>
-        </p:spPr>
+        <p:spPr/>
         <p:txBody>
           <a:bodyPr/>
           <a:lstStyle/>
           <a:p>
-            <a:fld id="{80CF4546-AE09-4F14-AF51-D4D6420A4BA1}" type="slidenum">
+            <a:fld id="{5C88C6B3-A296-4F02-B169-A2DFBE690C9A}" type="slidenum">
               <a:rPr lang="it-IT" smtClean="0"/>
               <a:pPr/>
               <a:t>9</a:t>
